--- a/Reports/Graphics/Ryan_fsm.pptx
+++ b/Reports/Graphics/Ryan_fsm.pptx
@@ -289,7 +289,7 @@
           <a:p>
             <a:fld id="{61E4D331-D615-484E-9A48-0D6A2EECBE2B}" type="datetimeFigureOut">
               <a:rPr lang="en-US" smtClean="0"/>
-              <a:t>5/19/2015</a:t>
+              <a:t>21/05/15</a:t>
             </a:fld>
             <a:endParaRPr lang="en-US"/>
           </a:p>
@@ -459,7 +459,7 @@
           <a:p>
             <a:fld id="{61E4D331-D615-484E-9A48-0D6A2EECBE2B}" type="datetimeFigureOut">
               <a:rPr lang="en-US" smtClean="0"/>
-              <a:t>5/19/2015</a:t>
+              <a:t>21/05/15</a:t>
             </a:fld>
             <a:endParaRPr lang="en-US"/>
           </a:p>
@@ -639,7 +639,7 @@
           <a:p>
             <a:fld id="{61E4D331-D615-484E-9A48-0D6A2EECBE2B}" type="datetimeFigureOut">
               <a:rPr lang="en-US" smtClean="0"/>
-              <a:t>5/19/2015</a:t>
+              <a:t>21/05/15</a:t>
             </a:fld>
             <a:endParaRPr lang="en-US"/>
           </a:p>
@@ -809,7 +809,7 @@
           <a:p>
             <a:fld id="{61E4D331-D615-484E-9A48-0D6A2EECBE2B}" type="datetimeFigureOut">
               <a:rPr lang="en-US" smtClean="0"/>
-              <a:t>5/19/2015</a:t>
+              <a:t>21/05/15</a:t>
             </a:fld>
             <a:endParaRPr lang="en-US"/>
           </a:p>
@@ -1055,7 +1055,7 @@
           <a:p>
             <a:fld id="{61E4D331-D615-484E-9A48-0D6A2EECBE2B}" type="datetimeFigureOut">
               <a:rPr lang="en-US" smtClean="0"/>
-              <a:t>5/19/2015</a:t>
+              <a:t>21/05/15</a:t>
             </a:fld>
             <a:endParaRPr lang="en-US"/>
           </a:p>
@@ -1343,7 +1343,7 @@
           <a:p>
             <a:fld id="{61E4D331-D615-484E-9A48-0D6A2EECBE2B}" type="datetimeFigureOut">
               <a:rPr lang="en-US" smtClean="0"/>
-              <a:t>5/19/2015</a:t>
+              <a:t>21/05/15</a:t>
             </a:fld>
             <a:endParaRPr lang="en-US"/>
           </a:p>
@@ -1765,7 +1765,7 @@
           <a:p>
             <a:fld id="{61E4D331-D615-484E-9A48-0D6A2EECBE2B}" type="datetimeFigureOut">
               <a:rPr lang="en-US" smtClean="0"/>
-              <a:t>5/19/2015</a:t>
+              <a:t>21/05/15</a:t>
             </a:fld>
             <a:endParaRPr lang="en-US"/>
           </a:p>
@@ -1883,7 +1883,7 @@
           <a:p>
             <a:fld id="{61E4D331-D615-484E-9A48-0D6A2EECBE2B}" type="datetimeFigureOut">
               <a:rPr lang="en-US" smtClean="0"/>
-              <a:t>5/19/2015</a:t>
+              <a:t>21/05/15</a:t>
             </a:fld>
             <a:endParaRPr lang="en-US"/>
           </a:p>
@@ -1978,7 +1978,7 @@
           <a:p>
             <a:fld id="{61E4D331-D615-484E-9A48-0D6A2EECBE2B}" type="datetimeFigureOut">
               <a:rPr lang="en-US" smtClean="0"/>
-              <a:t>5/19/2015</a:t>
+              <a:t>21/05/15</a:t>
             </a:fld>
             <a:endParaRPr lang="en-US"/>
           </a:p>
@@ -2255,7 +2255,7 @@
           <a:p>
             <a:fld id="{61E4D331-D615-484E-9A48-0D6A2EECBE2B}" type="datetimeFigureOut">
               <a:rPr lang="en-US" smtClean="0"/>
-              <a:t>5/19/2015</a:t>
+              <a:t>21/05/15</a:t>
             </a:fld>
             <a:endParaRPr lang="en-US"/>
           </a:p>
@@ -2508,7 +2508,7 @@
           <a:p>
             <a:fld id="{61E4D331-D615-484E-9A48-0D6A2EECBE2B}" type="datetimeFigureOut">
               <a:rPr lang="en-US" smtClean="0"/>
-              <a:t>5/19/2015</a:t>
+              <a:t>21/05/15</a:t>
             </a:fld>
             <a:endParaRPr lang="en-US"/>
           </a:p>
@@ -2721,7 +2721,7 @@
           <a:p>
             <a:fld id="{61E4D331-D615-484E-9A48-0D6A2EECBE2B}" type="datetimeFigureOut">
               <a:rPr lang="en-US" smtClean="0"/>
-              <a:t>5/19/2015</a:t>
+              <a:t>21/05/15</a:t>
             </a:fld>
             <a:endParaRPr lang="en-US"/>
           </a:p>
@@ -3104,10 +3104,10 @@
         </p:nvGrpSpPr>
         <p:grpSpPr>
           <a:xfrm>
-            <a:off x="1534065" y="359993"/>
-            <a:ext cx="5134266" cy="6242064"/>
-            <a:chOff x="1534065" y="359993"/>
-            <a:chExt cx="5134266" cy="6242064"/>
+            <a:off x="1534065" y="150321"/>
+            <a:ext cx="5183170" cy="6328626"/>
+            <a:chOff x="1534065" y="357494"/>
+            <a:chExt cx="5183170" cy="6328626"/>
           </a:xfrm>
         </p:grpSpPr>
         <p:sp>
@@ -3118,8 +3118,8 @@
           </p:nvSpPr>
           <p:spPr>
             <a:xfrm>
-              <a:off x="3237514" y="359993"/>
-              <a:ext cx="2300630" cy="400110"/>
+              <a:off x="2743789" y="357494"/>
+              <a:ext cx="3288080" cy="400110"/>
             </a:xfrm>
             <a:prstGeom prst="rect">
               <a:avLst/>
@@ -3162,7 +3162,31 @@
               </a:pPr>
               <a:r>
                 <a:rPr lang="en-US" sz="800" dirty="0" smtClean="0"/>
-                <a:t>Determine home colour and other base colour</a:t>
+                <a:t>Determine </a:t>
+              </a:r>
+              <a:r>
+                <a:rPr lang="en-US" sz="800" dirty="0" smtClean="0"/>
+                <a:t>headquarters</a:t>
+              </a:r>
+              <a:r>
+                <a:rPr lang="en-US" sz="800" dirty="0" smtClean="0"/>
+                <a:t> </a:t>
+              </a:r>
+              <a:r>
+                <a:rPr lang="en-US" sz="800" dirty="0" smtClean="0"/>
+                <a:t>colour and </a:t>
+              </a:r>
+              <a:r>
+                <a:rPr lang="en-US" sz="800" dirty="0"/>
+                <a:t>other teams </a:t>
+              </a:r>
+              <a:r>
+                <a:rPr lang="en-US" sz="800" dirty="0" smtClean="0"/>
+                <a:t>headquarters </a:t>
+              </a:r>
+              <a:r>
+                <a:rPr lang="en-US" sz="800" dirty="0" smtClean="0"/>
+                <a:t>colour</a:t>
               </a:r>
               <a:endParaRPr lang="en-US" sz="800" dirty="0"/>
             </a:p>
@@ -3230,8 +3254,13 @@
               </a:pPr>
               <a:r>
                 <a:rPr lang="en-US" sz="800" dirty="0" smtClean="0"/>
-                <a:t>Look for weights</a:t>
-              </a:r>
+                <a:t>Look for </a:t>
+              </a:r>
+              <a:r>
+                <a:rPr lang="en-US" sz="800" dirty="0" smtClean="0"/>
+                <a:t>packages</a:t>
+              </a:r>
+              <a:endParaRPr lang="en-US" sz="800" dirty="0" smtClean="0"/>
             </a:p>
             <a:p>
               <a:pPr marL="171450" indent="-171450">
@@ -3255,7 +3284,7 @@
           <p:spPr>
             <a:xfrm>
               <a:off x="3577350" y="2590772"/>
-              <a:ext cx="1620957" cy="400110"/>
+              <a:ext cx="1659429" cy="400110"/>
             </a:xfrm>
             <a:prstGeom prst="rect">
               <a:avLst/>
@@ -3288,8 +3317,13 @@
             <a:p>
               <a:r>
                 <a:rPr lang="en-US" sz="1200" dirty="0" smtClean="0"/>
-                <a:t>Get weight state</a:t>
-              </a:r>
+                <a:t>Get </a:t>
+              </a:r>
+              <a:r>
+                <a:rPr lang="en-US" sz="1200" dirty="0" smtClean="0"/>
+                <a:t>package state</a:t>
+              </a:r>
+              <a:endParaRPr lang="en-US" sz="1200" dirty="0" smtClean="0"/>
             </a:p>
             <a:p>
               <a:pPr marL="171450" indent="-171450">
@@ -3298,7 +3332,15 @@
               </a:pPr>
               <a:r>
                 <a:rPr lang="en-US" sz="800" dirty="0" smtClean="0"/>
-                <a:t>Align weight with free magnet </a:t>
+                <a:t>Align </a:t>
+              </a:r>
+              <a:r>
+                <a:rPr lang="en-US" sz="800" dirty="0" smtClean="0"/>
+                <a:t>package with </a:t>
+              </a:r>
+              <a:r>
+                <a:rPr lang="en-US" sz="800" dirty="0" smtClean="0"/>
+                <a:t>free magnet </a:t>
               </a:r>
               <a:endParaRPr lang="en-US" sz="800" dirty="0"/>
             </a:p>
@@ -3313,7 +3355,7 @@
           <p:spPr>
             <a:xfrm>
               <a:off x="3346518" y="3500975"/>
-              <a:ext cx="2082621" cy="769441"/>
+              <a:ext cx="2133918" cy="769441"/>
             </a:xfrm>
             <a:prstGeom prst="rect">
               <a:avLst/>
@@ -3346,8 +3388,13 @@
             <a:p>
               <a:r>
                 <a:rPr lang="en-US" sz="1200" dirty="0" smtClean="0"/>
-                <a:t>Attach weight state</a:t>
-              </a:r>
+                <a:t>Attach </a:t>
+              </a:r>
+              <a:r>
+                <a:rPr lang="en-US" sz="1200" dirty="0" smtClean="0"/>
+                <a:t>package state</a:t>
+              </a:r>
+              <a:endParaRPr lang="en-US" sz="1200" dirty="0" smtClean="0"/>
             </a:p>
             <a:p>
               <a:pPr marL="171450" indent="-171450">
@@ -3366,8 +3413,13 @@
               </a:pPr>
               <a:r>
                 <a:rPr lang="en-US" sz="800" dirty="0" smtClean="0"/>
-                <a:t>Drive into weight </a:t>
-              </a:r>
+                <a:t>Drive into </a:t>
+              </a:r>
+              <a:r>
+                <a:rPr lang="en-US" sz="800" dirty="0" smtClean="0"/>
+                <a:t>package</a:t>
+              </a:r>
+              <a:endParaRPr lang="en-US" sz="800" dirty="0" smtClean="0"/>
             </a:p>
             <a:p>
               <a:pPr marL="171450" indent="-171450">
@@ -3386,7 +3438,15 @@
               </a:pPr>
               <a:r>
                 <a:rPr lang="en-US" sz="800" dirty="0" smtClean="0"/>
-                <a:t>Record weight onboard and magnet used</a:t>
+                <a:t>Record </a:t>
+              </a:r>
+              <a:r>
+                <a:rPr lang="en-US" sz="800" dirty="0" smtClean="0"/>
+                <a:t>package onboard </a:t>
+              </a:r>
+              <a:r>
+                <a:rPr lang="en-US" sz="800" dirty="0" smtClean="0"/>
+                <a:t>and magnet used</a:t>
               </a:r>
               <a:endParaRPr lang="en-US" sz="800" dirty="0"/>
             </a:p>
@@ -3400,8 +3460,8 @@
           </p:nvSpPr>
           <p:spPr>
             <a:xfrm>
-              <a:off x="3083626" y="4908466"/>
-              <a:ext cx="2608406" cy="523220"/>
+              <a:off x="2865617" y="4908466"/>
+              <a:ext cx="3095719" cy="523220"/>
             </a:xfrm>
             <a:prstGeom prst="rect">
               <a:avLst/>
@@ -3434,8 +3494,13 @@
             <a:p>
               <a:r>
                 <a:rPr lang="en-US" sz="1200" dirty="0" smtClean="0"/>
-                <a:t>Return to home base state</a:t>
-              </a:r>
+                <a:t>Return to </a:t>
+              </a:r>
+              <a:r>
+                <a:rPr lang="en-US" sz="1200" dirty="0"/>
+                <a:t>headquarters state</a:t>
+              </a:r>
+              <a:endParaRPr lang="en-US" sz="1200" dirty="0" smtClean="0"/>
             </a:p>
             <a:p>
               <a:pPr marL="171450" indent="-171450">
@@ -3444,8 +3509,17 @@
               </a:pPr>
               <a:r>
                 <a:rPr lang="en-US" sz="800" dirty="0" smtClean="0"/>
-                <a:t>Use information provided by path finding to get home</a:t>
-              </a:r>
+                <a:t>Use information provided by path finding to </a:t>
+              </a:r>
+              <a:r>
+                <a:rPr lang="en-US" sz="800" dirty="0" smtClean="0"/>
+                <a:t>get our </a:t>
+              </a:r>
+              <a:r>
+                <a:rPr lang="en-US" sz="800" dirty="0" smtClean="0"/>
+                <a:t>headquarters</a:t>
+              </a:r>
+              <a:endParaRPr lang="en-US" sz="800" dirty="0" smtClean="0"/>
             </a:p>
             <a:p>
               <a:pPr marL="171450" indent="-171450">
@@ -3468,8 +3542,8 @@
           </p:nvSpPr>
           <p:spPr>
             <a:xfrm>
-              <a:off x="3500554" y="5916678"/>
-              <a:ext cx="1800493" cy="646331"/>
+              <a:off x="3489371" y="5916678"/>
+              <a:ext cx="1882997" cy="769441"/>
             </a:xfrm>
             <a:prstGeom prst="rect">
               <a:avLst/>
@@ -3502,8 +3576,13 @@
             <a:p>
               <a:r>
                 <a:rPr lang="en-US" sz="1200" dirty="0" smtClean="0"/>
-                <a:t>Dropping of weights state</a:t>
-              </a:r>
+                <a:t>Dropping of </a:t>
+              </a:r>
+              <a:r>
+                <a:rPr lang="en-US" sz="1200" dirty="0" smtClean="0"/>
+                <a:t>packages state</a:t>
+              </a:r>
+              <a:endParaRPr lang="en-US" sz="1200" dirty="0" smtClean="0"/>
             </a:p>
             <a:p>
               <a:pPr marL="171450" indent="-171450">
@@ -3522,8 +3601,31 @@
               </a:pPr>
               <a:r>
                 <a:rPr lang="en-US" sz="800" dirty="0" smtClean="0"/>
-                <a:t>Drive to stepper servos</a:t>
-              </a:r>
+                <a:t>Drive to stepper </a:t>
+              </a:r>
+              <a:r>
+                <a:rPr lang="en-US" sz="800" dirty="0" smtClean="0"/>
+                <a:t>servos</a:t>
+              </a:r>
+            </a:p>
+            <a:p>
+              <a:pPr marL="171450" indent="-171450">
+                <a:buFont typeface="Arial"/>
+                <a:buChar char="•"/>
+              </a:pPr>
+              <a:r>
+                <a:rPr lang="en-US" sz="800" dirty="0" smtClean="0"/>
+                <a:t>Retract to </a:t>
+              </a:r>
+              <a:r>
+                <a:rPr lang="en-US" sz="800" dirty="0"/>
+                <a:t>stepper </a:t>
+              </a:r>
+              <a:r>
+                <a:rPr lang="en-US" sz="800" dirty="0" smtClean="0"/>
+                <a:t>servos</a:t>
+              </a:r>
+              <a:endParaRPr lang="en-US" sz="800" dirty="0" smtClean="0"/>
             </a:p>
             <a:p>
               <a:pPr marL="171450" indent="-171450">
@@ -3549,8 +3651,8 @@
           </p:nvCxnSpPr>
           <p:spPr>
             <a:xfrm>
-              <a:off x="4387829" y="760103"/>
-              <a:ext cx="0" cy="568015"/>
+              <a:off x="4387829" y="757604"/>
+              <a:ext cx="0" cy="570514"/>
             </a:xfrm>
             <a:prstGeom prst="straightConnector1">
               <a:avLst/>
@@ -3583,7 +3685,7 @@
           <p:spPr>
             <a:xfrm>
               <a:off x="4347397" y="938066"/>
-              <a:ext cx="1497438" cy="246221"/>
+              <a:ext cx="1957174" cy="246221"/>
             </a:xfrm>
             <a:prstGeom prst="rect">
               <a:avLst/>
@@ -3598,7 +3700,11 @@
             <a:p>
               <a:r>
                 <a:rPr lang="en-US" sz="1000" dirty="0" smtClean="0"/>
-                <a:t>Colour of base registered</a:t>
+                <a:t>Colour of </a:t>
+              </a:r>
+              <a:r>
+                <a:rPr lang="en-US" sz="1000" dirty="0"/>
+                <a:t>headquarters registered</a:t>
               </a:r>
               <a:endParaRPr lang="en-US" sz="1000" dirty="0"/>
             </a:p>
@@ -3616,7 +3722,7 @@
           <p:spPr>
             <a:xfrm>
               <a:off x="4387829" y="1974449"/>
-              <a:ext cx="0" cy="616323"/>
+              <a:ext cx="19236" cy="616323"/>
             </a:xfrm>
             <a:prstGeom prst="straightConnector1">
               <a:avLst/>
@@ -3651,8 +3757,8 @@
           </p:nvCxnSpPr>
           <p:spPr>
             <a:xfrm>
-              <a:off x="4387829" y="2990882"/>
-              <a:ext cx="0" cy="510093"/>
+              <a:off x="4407065" y="2990882"/>
+              <a:ext cx="6412" cy="510093"/>
             </a:xfrm>
             <a:prstGeom prst="straightConnector1">
               <a:avLst/>
@@ -3687,7 +3793,7 @@
           </p:nvCxnSpPr>
           <p:spPr>
             <a:xfrm>
-              <a:off x="4387829" y="4270416"/>
+              <a:off x="4413477" y="4270416"/>
               <a:ext cx="0" cy="638050"/>
             </a:xfrm>
             <a:prstGeom prst="straightConnector1">
@@ -3723,8 +3829,8 @@
           </p:nvCxnSpPr>
           <p:spPr>
             <a:xfrm>
-              <a:off x="4387829" y="5431686"/>
-              <a:ext cx="12972" cy="484992"/>
+              <a:off x="4413477" y="5431686"/>
+              <a:ext cx="17393" cy="484992"/>
             </a:xfrm>
             <a:prstGeom prst="straightConnector1">
               <a:avLst/>
@@ -3757,7 +3863,7 @@
           <p:spPr>
             <a:xfrm>
               <a:off x="4387829" y="2187534"/>
-              <a:ext cx="913218" cy="246221"/>
+              <a:ext cx="984539" cy="246221"/>
             </a:xfrm>
             <a:prstGeom prst="rect">
               <a:avLst/>
@@ -3772,7 +3878,11 @@
             <a:p>
               <a:r>
                 <a:rPr lang="en-US" sz="1000" dirty="0" smtClean="0"/>
-                <a:t>Locate weight</a:t>
+                <a:t>Locate </a:t>
+              </a:r>
+              <a:r>
+                <a:rPr lang="en-US" sz="1000" dirty="0" smtClean="0"/>
+                <a:t>package</a:t>
               </a:r>
               <a:endParaRPr lang="en-US" sz="1000" dirty="0"/>
             </a:p>
@@ -3787,7 +3897,7 @@
           <p:spPr>
             <a:xfrm>
               <a:off x="4387829" y="3158744"/>
-              <a:ext cx="1455609" cy="246221"/>
+              <a:ext cx="1526930" cy="246221"/>
             </a:xfrm>
             <a:prstGeom prst="rect">
               <a:avLst/>
@@ -3802,7 +3912,11 @@
             <a:p>
               <a:r>
                 <a:rPr lang="en-US" sz="1000" dirty="0" smtClean="0"/>
-                <a:t>Aligned to attach weight</a:t>
+                <a:t>Aligned to attach </a:t>
+              </a:r>
+              <a:r>
+                <a:rPr lang="en-US" sz="1000" dirty="0" smtClean="0"/>
+                <a:t>package</a:t>
               </a:r>
               <a:endParaRPr lang="en-US" sz="1000" dirty="0"/>
             </a:p>
@@ -3817,7 +3931,7 @@
           <p:spPr>
             <a:xfrm>
               <a:off x="4341961" y="4503495"/>
-              <a:ext cx="1407582" cy="246221"/>
+              <a:ext cx="1478903" cy="246221"/>
             </a:xfrm>
             <a:prstGeom prst="rect">
               <a:avLst/>
@@ -3832,7 +3946,11 @@
             <a:p>
               <a:r>
                 <a:rPr lang="en-US" sz="1000" dirty="0" smtClean="0"/>
-                <a:t>Three weights attached</a:t>
+                <a:t>Three </a:t>
+              </a:r>
+              <a:r>
+                <a:rPr lang="en-US" sz="1000" dirty="0" smtClean="0"/>
+                <a:t>packages attached</a:t>
               </a:r>
               <a:endParaRPr lang="en-US" sz="1000" dirty="0"/>
             </a:p>
@@ -3847,7 +3965,7 @@
           <p:spPr>
             <a:xfrm>
               <a:off x="4363273" y="5612793"/>
-              <a:ext cx="1535697" cy="246221"/>
+              <a:ext cx="2024425" cy="246221"/>
             </a:xfrm>
             <a:prstGeom prst="rect">
               <a:avLst/>
@@ -3862,7 +3980,15 @@
             <a:p>
               <a:r>
                 <a:rPr lang="en-US" sz="1000" dirty="0" smtClean="0"/>
-                <a:t>Colour of base recognized</a:t>
+                <a:t>Colour of </a:t>
+              </a:r>
+              <a:r>
+                <a:rPr lang="en-US" sz="1000" dirty="0" smtClean="0"/>
+                <a:t>headquarters </a:t>
+              </a:r>
+              <a:r>
+                <a:rPr lang="en-US" sz="1000" dirty="0" smtClean="0"/>
+                <a:t>recognized</a:t>
               </a:r>
               <a:endParaRPr lang="en-US" sz="1000" dirty="0"/>
             </a:p>
@@ -3884,7 +4010,7 @@
             </a:xfrm>
             <a:prstGeom prst="bentConnector3">
               <a:avLst>
-                <a:gd name="adj1" fmla="val -441576"/>
+                <a:gd name="adj1" fmla="val -77504"/>
               </a:avLst>
             </a:prstGeom>
             <a:ln w="19050">
@@ -3918,11 +4044,11 @@
           <p:spPr>
             <a:xfrm flipH="1" flipV="1">
               <a:off x="5134187" y="1651284"/>
-              <a:ext cx="166860" cy="4588560"/>
+              <a:ext cx="238181" cy="4650115"/>
             </a:xfrm>
             <a:prstGeom prst="bentConnector3">
               <a:avLst>
-                <a:gd name="adj1" fmla="val -830925"/>
+                <a:gd name="adj1" fmla="val -456582"/>
               </a:avLst>
             </a:prstGeom>
             <a:ln w="19050">
@@ -3953,7 +4079,7 @@
           <p:spPr>
             <a:xfrm>
               <a:off x="1534065" y="3885697"/>
-              <a:ext cx="1703449" cy="400110"/>
+              <a:ext cx="1992427" cy="400110"/>
             </a:xfrm>
             <a:prstGeom prst="rect">
               <a:avLst/>
@@ -3968,13 +4094,33 @@
             <a:p>
               <a:r>
                 <a:rPr lang="en-US" sz="1000" dirty="0" smtClean="0"/>
-                <a:t>Less then 3 weights on board</a:t>
+                <a:t>Less then </a:t>
+              </a:r>
+              <a:r>
+                <a:rPr lang="en-US" sz="1000" dirty="0" smtClean="0"/>
+                <a:t>three packages </a:t>
+              </a:r>
+              <a:r>
+                <a:rPr lang="en-US" sz="1000" dirty="0" smtClean="0"/>
+                <a:t>on </a:t>
+              </a:r>
+              <a:r>
+                <a:rPr lang="en-US" sz="1000" dirty="0" smtClean="0"/>
+                <a:t>board</a:t>
               </a:r>
             </a:p>
             <a:p>
               <a:r>
                 <a:rPr lang="en-US" sz="1000" dirty="0" smtClean="0"/>
-                <a:t>OR weight was not picked up</a:t>
+                <a:t>OR </a:t>
+              </a:r>
+              <a:r>
+                <a:rPr lang="en-US" sz="1000" dirty="0" smtClean="0"/>
+                <a:t>package was </a:t>
+              </a:r>
+              <a:r>
+                <a:rPr lang="en-US" sz="1000" dirty="0" smtClean="0"/>
+                <a:t>not picked up</a:t>
               </a:r>
               <a:endParaRPr lang="en-US" sz="1000" dirty="0"/>
             </a:p>
@@ -3989,7 +4135,7 @@
           <p:spPr>
             <a:xfrm>
               <a:off x="5538144" y="6232726"/>
-              <a:ext cx="1130187" cy="246221"/>
+              <a:ext cx="1179091" cy="246221"/>
             </a:xfrm>
             <a:prstGeom prst="rect">
               <a:avLst/>
@@ -4004,7 +4150,7 @@
             <a:p>
               <a:r>
                 <a:rPr lang="en-US" sz="1000" dirty="0" smtClean="0"/>
-                <a:t>Weights detached</a:t>
+                <a:t>Packages detached</a:t>
               </a:r>
               <a:endParaRPr lang="en-US" sz="1000" dirty="0"/>
             </a:p>
@@ -4021,13 +4167,13 @@
           </p:nvCxnSpPr>
           <p:spPr>
             <a:xfrm rot="5400000" flipH="1">
-              <a:off x="3789095" y="5951304"/>
-              <a:ext cx="323165" cy="900247"/>
+              <a:off x="3767761" y="6023010"/>
+              <a:ext cx="384720" cy="941499"/>
             </a:xfrm>
             <a:prstGeom prst="bentConnector4">
               <a:avLst>
-                <a:gd name="adj1" fmla="val -47620"/>
-                <a:gd name="adj2" fmla="val 125393"/>
+                <a:gd name="adj1" fmla="val -59420"/>
+                <a:gd name="adj2" fmla="val 124280"/>
               </a:avLst>
             </a:prstGeom>
             <a:ln w="19050">
@@ -4058,7 +4204,7 @@
           <p:spPr>
             <a:xfrm>
               <a:off x="1629870" y="6355836"/>
-              <a:ext cx="1607644" cy="246221"/>
+              <a:ext cx="1678965" cy="246221"/>
             </a:xfrm>
             <a:prstGeom prst="rect">
               <a:avLst/>
@@ -4073,7 +4219,11 @@
             <a:p>
               <a:r>
                 <a:rPr lang="en-US" sz="1000" dirty="0" smtClean="0"/>
-                <a:t>Some weights still attached</a:t>
+                <a:t>Some </a:t>
+              </a:r>
+              <a:r>
+                <a:rPr lang="en-US" sz="1000" dirty="0" smtClean="0"/>
+                <a:t>packages still attached </a:t>
               </a:r>
               <a:endParaRPr lang="en-US" sz="1000" dirty="0"/>
             </a:p>
@@ -4093,7 +4243,7 @@
   <p:timing>
     <p:tnLst>
       <p:par>
-        <p:cTn id="1" dur="indefinite" restart="never" nodeType="tmRoot"/>
+        <p:cTn xmlns:p14="http://schemas.microsoft.com/office/powerpoint/2010/main" id="1" dur="indefinite" restart="never" nodeType="tmRoot"/>
       </p:par>
     </p:tnLst>
   </p:timing>
@@ -4168,7 +4318,7 @@
   <p:timing>
     <p:tnLst>
       <p:par>
-        <p:cTn id="1" dur="indefinite" restart="never" nodeType="tmRoot"/>
+        <p:cTn xmlns:p14="http://schemas.microsoft.com/office/powerpoint/2010/main" id="1" dur="indefinite" restart="never" nodeType="tmRoot"/>
       </p:par>
     </p:tnLst>
   </p:timing>
